--- a/Weekly/汇报/O2E-TU-2_汇报_0607.pptx
+++ b/Weekly/汇报/O2E-TU-2_汇报_0607.pptx
@@ -5,27 +5,27 @@
     <p:sldMasterId id="2147483648" r:id="rId1"/>
   </p:sldMasterIdLst>
   <p:notesMasterIdLst>
-    <p:notesMasterId r:id="rId8"/>
+    <p:notesMasterId r:id="rId20"/>
   </p:notesMasterIdLst>
   <p:sldIdLst>
-    <p:sldId id="256" r:id="rId3"/>
-    <p:sldId id="258" r:id="rId4"/>
-    <p:sldId id="259" r:id="rId5"/>
-    <p:sldId id="369" r:id="rId6"/>
-    <p:sldId id="404" r:id="rId7"/>
-    <p:sldId id="385" r:id="rId9"/>
-    <p:sldId id="405" r:id="rId10"/>
-    <p:sldId id="406" r:id="rId11"/>
-    <p:sldId id="407" r:id="rId12"/>
-    <p:sldId id="408" r:id="rId13"/>
-    <p:sldId id="409" r:id="rId14"/>
-    <p:sldId id="410" r:id="rId15"/>
-    <p:sldId id="412" r:id="rId16"/>
-    <p:sldId id="274" r:id="rId17"/>
-    <p:sldId id="322" r:id="rId18"/>
-    <p:sldId id="414" r:id="rId19"/>
-    <p:sldId id="323" r:id="rId20"/>
-    <p:sldId id="324" r:id="rId21"/>
+    <p:sldId id="256" r:id="rId2"/>
+    <p:sldId id="258" r:id="rId3"/>
+    <p:sldId id="259" r:id="rId4"/>
+    <p:sldId id="369" r:id="rId5"/>
+    <p:sldId id="404" r:id="rId6"/>
+    <p:sldId id="385" r:id="rId7"/>
+    <p:sldId id="405" r:id="rId8"/>
+    <p:sldId id="406" r:id="rId9"/>
+    <p:sldId id="407" r:id="rId10"/>
+    <p:sldId id="408" r:id="rId11"/>
+    <p:sldId id="409" r:id="rId12"/>
+    <p:sldId id="410" r:id="rId13"/>
+    <p:sldId id="412" r:id="rId14"/>
+    <p:sldId id="274" r:id="rId15"/>
+    <p:sldId id="322" r:id="rId16"/>
+    <p:sldId id="414" r:id="rId17"/>
+    <p:sldId id="323" r:id="rId18"/>
+    <p:sldId id="324" r:id="rId19"/>
   </p:sldIdLst>
   <p:sldSz cx="12192000" cy="6858000"/>
   <p:notesSz cx="6858000" cy="9144000"/>
@@ -124,6 +124,11 @@
       </a:defRPr>
     </a:lvl9pPr>
   </p:defaultTextStyle>
+  <p:extLst>
+    <p:ext uri="{EFAFB233-063F-42B5-8137-9DF3F51BA10A}">
+      <p15:sldGuideLst xmlns:p15="http://schemas.microsoft.com/office/powerpoint/2012/main"/>
+    </p:ext>
+  </p:extLst>
 </p:presentation>
 </file>
 
@@ -209,6 +214,7 @@
           <a:p>
             <a:fld id="{D2A48B96-639E-45A3-A0BA-2464DFDB1FAA}" type="datetimeFigureOut">
               <a:rPr lang="zh-CN" altLang="en-US" smtClean="0"/>
+              <a:t>2022/6/7</a:t>
             </a:fld>
             <a:endParaRPr lang="zh-CN" altLang="en-US"/>
           </a:p>
@@ -272,42 +278,37 @@
           <a:p>
             <a:pPr lvl="0"/>
             <a:r>
-              <a:rPr lang="zh-CN" altLang="en-US" smtClean="0"/>
+              <a:rPr lang="zh-CN" altLang="en-US"/>
               <a:t>单击此处编辑母版文本样式</a:t>
             </a:r>
-            <a:endParaRPr lang="zh-CN" altLang="en-US" smtClean="0"/>
           </a:p>
           <a:p>
             <a:pPr lvl="1"/>
             <a:r>
-              <a:rPr lang="zh-CN" altLang="en-US" smtClean="0"/>
+              <a:rPr lang="zh-CN" altLang="en-US"/>
               <a:t>第二级</a:t>
             </a:r>
-            <a:endParaRPr lang="zh-CN" altLang="en-US" smtClean="0"/>
           </a:p>
           <a:p>
             <a:pPr lvl="2"/>
             <a:r>
-              <a:rPr lang="zh-CN" altLang="en-US" smtClean="0"/>
+              <a:rPr lang="zh-CN" altLang="en-US"/>
               <a:t>第三级</a:t>
             </a:r>
-            <a:endParaRPr lang="zh-CN" altLang="en-US" smtClean="0"/>
           </a:p>
           <a:p>
             <a:pPr lvl="3"/>
             <a:r>
-              <a:rPr lang="zh-CN" altLang="en-US" smtClean="0"/>
+              <a:rPr lang="zh-CN" altLang="en-US"/>
               <a:t>第四级</a:t>
             </a:r>
-            <a:endParaRPr lang="zh-CN" altLang="en-US" smtClean="0"/>
           </a:p>
           <a:p>
             <a:pPr lvl="4"/>
             <a:r>
-              <a:rPr lang="zh-CN" altLang="en-US" smtClean="0"/>
+              <a:rPr lang="zh-CN" altLang="en-US"/>
               <a:t>第五级</a:t>
             </a:r>
-            <a:endParaRPr lang="zh-CN" altLang="en-US"/>
           </a:p>
         </p:txBody>
       </p:sp>
@@ -371,6 +372,7 @@
           <a:p>
             <a:fld id="{A6837353-30EB-4A48-80EB-173D804AEFBD}" type="slidenum">
               <a:rPr lang="zh-CN" altLang="en-US" smtClean="0"/>
+              <a:t>‹#›</a:t>
             </a:fld>
             <a:endParaRPr lang="zh-CN" altLang="en-US"/>
           </a:p>
@@ -483,11 +485,20 @@
         <p:cNvGrpSpPr/>
         <p:nvPr/>
       </p:nvGrpSpPr>
-      <p:grpSpPr/>
+      <p:grpSpPr>
+        <a:xfrm>
+          <a:off x="0" y="0"/>
+          <a:ext cx="0" cy="0"/>
+          <a:chOff x="0" y="0"/>
+          <a:chExt cx="0" cy="0"/>
+        </a:xfrm>
+      </p:grpSpPr>
       <p:sp>
         <p:nvSpPr>
           <p:cNvPr id="2" name="幻灯片图像占位符 1"/>
-          <p:cNvSpPr/>
+          <p:cNvSpPr>
+            <a:spLocks noGrp="1" noRot="1" noChangeAspect="1"/>
+          </p:cNvSpPr>
           <p:nvPr>
             <p:ph type="sldImg" idx="2"/>
           </p:nvPr>
@@ -497,7 +508,9 @@
       <p:sp>
         <p:nvSpPr>
           <p:cNvPr id="3" name="文本占位符 2"/>
-          <p:cNvSpPr/>
+          <p:cNvSpPr>
+            <a:spLocks noGrp="1"/>
+          </p:cNvSpPr>
           <p:nvPr>
             <p:ph type="body" idx="3"/>
           </p:nvPr>
@@ -505,6 +518,7 @@
         <p:spPr/>
         <p:txBody>
           <a:bodyPr/>
+          <a:lstStyle/>
           <a:p>
             <a:endParaRPr lang="zh-CN" altLang="en-US"/>
           </a:p>
@@ -563,7 +577,6 @@
               <a:rPr lang="zh-CN" altLang="en-US"/>
               <a:t>单击此处编辑母版标题样式</a:t>
             </a:r>
-            <a:endParaRPr lang="zh-CN" altLang="en-US"/>
           </a:p>
         </p:txBody>
       </p:sp>
@@ -628,7 +641,6 @@
               <a:rPr lang="zh-CN" altLang="en-US"/>
               <a:t>单击此处编辑母版副标题样式</a:t>
             </a:r>
-            <a:endParaRPr lang="zh-CN" altLang="en-US"/>
           </a:p>
         </p:txBody>
       </p:sp>
@@ -649,6 +661,7 @@
           <a:p>
             <a:fld id="{D997B5FA-0921-464F-AAE1-844C04324D75}" type="datetimeFigureOut">
               <a:rPr lang="zh-CN" altLang="en-US" smtClean="0"/>
+              <a:t>2022/6/7</a:t>
             </a:fld>
             <a:endParaRPr lang="zh-CN" altLang="en-US"/>
           </a:p>
@@ -690,6 +703,7 @@
           <a:p>
             <a:fld id="{565CE74E-AB26-4998-AD42-012C4C1AD076}" type="slidenum">
               <a:rPr lang="zh-CN" altLang="en-US" smtClean="0"/>
+              <a:t>‹#›</a:t>
             </a:fld>
             <a:endParaRPr lang="zh-CN" altLang="en-US"/>
           </a:p>
@@ -739,7 +753,6 @@
               <a:rPr lang="zh-CN" altLang="en-US"/>
               <a:t>单击此处编辑母版标题样式</a:t>
             </a:r>
-            <a:endParaRPr lang="zh-CN" altLang="en-US"/>
           </a:p>
         </p:txBody>
       </p:sp>
@@ -763,7 +776,6 @@
               <a:rPr lang="zh-CN" altLang="en-US"/>
               <a:t>单击此处编辑母版文本样式</a:t>
             </a:r>
-            <a:endParaRPr lang="zh-CN" altLang="en-US"/>
           </a:p>
           <a:p>
             <a:pPr lvl="1"/>
@@ -771,7 +783,6 @@
               <a:rPr lang="zh-CN" altLang="en-US"/>
               <a:t>第二级</a:t>
             </a:r>
-            <a:endParaRPr lang="zh-CN" altLang="en-US"/>
           </a:p>
           <a:p>
             <a:pPr lvl="2"/>
@@ -779,7 +790,6 @@
               <a:rPr lang="zh-CN" altLang="en-US"/>
               <a:t>第三级</a:t>
             </a:r>
-            <a:endParaRPr lang="zh-CN" altLang="en-US"/>
           </a:p>
           <a:p>
             <a:pPr lvl="3"/>
@@ -787,7 +797,6 @@
               <a:rPr lang="zh-CN" altLang="en-US"/>
               <a:t>第四级</a:t>
             </a:r>
-            <a:endParaRPr lang="zh-CN" altLang="en-US"/>
           </a:p>
           <a:p>
             <a:pPr lvl="4"/>
@@ -795,7 +804,6 @@
               <a:rPr lang="zh-CN" altLang="en-US"/>
               <a:t>第五级</a:t>
             </a:r>
-            <a:endParaRPr lang="zh-CN" altLang="en-US"/>
           </a:p>
         </p:txBody>
       </p:sp>
@@ -816,6 +824,7 @@
           <a:p>
             <a:fld id="{D997B5FA-0921-464F-AAE1-844C04324D75}" type="datetimeFigureOut">
               <a:rPr lang="zh-CN" altLang="en-US" smtClean="0"/>
+              <a:t>2022/6/7</a:t>
             </a:fld>
             <a:endParaRPr lang="zh-CN" altLang="en-US"/>
           </a:p>
@@ -857,6 +866,7 @@
           <a:p>
             <a:fld id="{565CE74E-AB26-4998-AD42-012C4C1AD076}" type="slidenum">
               <a:rPr lang="zh-CN" altLang="en-US" smtClean="0"/>
+              <a:t>‹#›</a:t>
             </a:fld>
             <a:endParaRPr lang="zh-CN" altLang="en-US"/>
           </a:p>
@@ -911,7 +921,6 @@
               <a:rPr lang="zh-CN" altLang="en-US"/>
               <a:t>单击此处编辑母版标题样式</a:t>
             </a:r>
-            <a:endParaRPr lang="zh-CN" altLang="en-US"/>
           </a:p>
         </p:txBody>
       </p:sp>
@@ -940,7 +949,6 @@
               <a:rPr lang="zh-CN" altLang="en-US"/>
               <a:t>单击此处编辑母版文本样式</a:t>
             </a:r>
-            <a:endParaRPr lang="zh-CN" altLang="en-US"/>
           </a:p>
           <a:p>
             <a:pPr lvl="1"/>
@@ -948,7 +956,6 @@
               <a:rPr lang="zh-CN" altLang="en-US"/>
               <a:t>第二级</a:t>
             </a:r>
-            <a:endParaRPr lang="zh-CN" altLang="en-US"/>
           </a:p>
           <a:p>
             <a:pPr lvl="2"/>
@@ -956,7 +963,6 @@
               <a:rPr lang="zh-CN" altLang="en-US"/>
               <a:t>第三级</a:t>
             </a:r>
-            <a:endParaRPr lang="zh-CN" altLang="en-US"/>
           </a:p>
           <a:p>
             <a:pPr lvl="3"/>
@@ -964,7 +970,6 @@
               <a:rPr lang="zh-CN" altLang="en-US"/>
               <a:t>第四级</a:t>
             </a:r>
-            <a:endParaRPr lang="zh-CN" altLang="en-US"/>
           </a:p>
           <a:p>
             <a:pPr lvl="4"/>
@@ -972,7 +977,6 @@
               <a:rPr lang="zh-CN" altLang="en-US"/>
               <a:t>第五级</a:t>
             </a:r>
-            <a:endParaRPr lang="zh-CN" altLang="en-US"/>
           </a:p>
         </p:txBody>
       </p:sp>
@@ -993,6 +997,7 @@
           <a:p>
             <a:fld id="{D997B5FA-0921-464F-AAE1-844C04324D75}" type="datetimeFigureOut">
               <a:rPr lang="zh-CN" altLang="en-US" smtClean="0"/>
+              <a:t>2022/6/7</a:t>
             </a:fld>
             <a:endParaRPr lang="zh-CN" altLang="en-US"/>
           </a:p>
@@ -1034,6 +1039,7 @@
           <a:p>
             <a:fld id="{565CE74E-AB26-4998-AD42-012C4C1AD076}" type="slidenum">
               <a:rPr lang="zh-CN" altLang="en-US" smtClean="0"/>
+              <a:t>‹#›</a:t>
             </a:fld>
             <a:endParaRPr lang="zh-CN" altLang="en-US"/>
           </a:p>
@@ -1083,7 +1089,6 @@
               <a:rPr lang="zh-CN" altLang="en-US"/>
               <a:t>单击此处编辑母版标题样式</a:t>
             </a:r>
-            <a:endParaRPr lang="zh-CN" altLang="en-US"/>
           </a:p>
         </p:txBody>
       </p:sp>
@@ -1107,7 +1112,6 @@
               <a:rPr lang="zh-CN" altLang="en-US"/>
               <a:t>单击此处编辑母版文本样式</a:t>
             </a:r>
-            <a:endParaRPr lang="zh-CN" altLang="en-US"/>
           </a:p>
           <a:p>
             <a:pPr lvl="1"/>
@@ -1115,7 +1119,6 @@
               <a:rPr lang="zh-CN" altLang="en-US"/>
               <a:t>第二级</a:t>
             </a:r>
-            <a:endParaRPr lang="zh-CN" altLang="en-US"/>
           </a:p>
           <a:p>
             <a:pPr lvl="2"/>
@@ -1123,7 +1126,6 @@
               <a:rPr lang="zh-CN" altLang="en-US"/>
               <a:t>第三级</a:t>
             </a:r>
-            <a:endParaRPr lang="zh-CN" altLang="en-US"/>
           </a:p>
           <a:p>
             <a:pPr lvl="3"/>
@@ -1131,7 +1133,6 @@
               <a:rPr lang="zh-CN" altLang="en-US"/>
               <a:t>第四级</a:t>
             </a:r>
-            <a:endParaRPr lang="zh-CN" altLang="en-US"/>
           </a:p>
           <a:p>
             <a:pPr lvl="4"/>
@@ -1139,7 +1140,6 @@
               <a:rPr lang="zh-CN" altLang="en-US"/>
               <a:t>第五级</a:t>
             </a:r>
-            <a:endParaRPr lang="zh-CN" altLang="en-US"/>
           </a:p>
         </p:txBody>
       </p:sp>
@@ -1160,6 +1160,7 @@
           <a:p>
             <a:fld id="{D997B5FA-0921-464F-AAE1-844C04324D75}" type="datetimeFigureOut">
               <a:rPr lang="zh-CN" altLang="en-US" smtClean="0"/>
+              <a:t>2022/6/7</a:t>
             </a:fld>
             <a:endParaRPr lang="zh-CN" altLang="en-US"/>
           </a:p>
@@ -1201,6 +1202,7 @@
           <a:p>
             <a:fld id="{565CE74E-AB26-4998-AD42-012C4C1AD076}" type="slidenum">
               <a:rPr lang="zh-CN" altLang="en-US" smtClean="0"/>
+              <a:t>‹#›</a:t>
             </a:fld>
             <a:endParaRPr lang="zh-CN" altLang="en-US"/>
           </a:p>
@@ -1259,7 +1261,6 @@
               <a:rPr lang="zh-CN" altLang="en-US"/>
               <a:t>单击此处编辑母版标题样式</a:t>
             </a:r>
-            <a:endParaRPr lang="zh-CN" altLang="en-US"/>
           </a:p>
         </p:txBody>
       </p:sp>
@@ -1379,7 +1380,6 @@
               <a:rPr lang="zh-CN" altLang="en-US"/>
               <a:t>单击此处编辑母版文本样式</a:t>
             </a:r>
-            <a:endParaRPr lang="zh-CN" altLang="en-US"/>
           </a:p>
         </p:txBody>
       </p:sp>
@@ -1400,6 +1400,7 @@
           <a:p>
             <a:fld id="{D997B5FA-0921-464F-AAE1-844C04324D75}" type="datetimeFigureOut">
               <a:rPr lang="zh-CN" altLang="en-US" smtClean="0"/>
+              <a:t>2022/6/7</a:t>
             </a:fld>
             <a:endParaRPr lang="zh-CN" altLang="en-US"/>
           </a:p>
@@ -1441,6 +1442,7 @@
           <a:p>
             <a:fld id="{565CE74E-AB26-4998-AD42-012C4C1AD076}" type="slidenum">
               <a:rPr lang="zh-CN" altLang="en-US" smtClean="0"/>
+              <a:t>‹#›</a:t>
             </a:fld>
             <a:endParaRPr lang="zh-CN" altLang="en-US"/>
           </a:p>
@@ -1490,7 +1492,6 @@
               <a:rPr lang="zh-CN" altLang="en-US"/>
               <a:t>单击此处编辑母版标题样式</a:t>
             </a:r>
-            <a:endParaRPr lang="zh-CN" altLang="en-US"/>
           </a:p>
         </p:txBody>
       </p:sp>
@@ -1519,7 +1520,6 @@
               <a:rPr lang="zh-CN" altLang="en-US"/>
               <a:t>单击此处编辑母版文本样式</a:t>
             </a:r>
-            <a:endParaRPr lang="zh-CN" altLang="en-US"/>
           </a:p>
           <a:p>
             <a:pPr lvl="1"/>
@@ -1527,7 +1527,6 @@
               <a:rPr lang="zh-CN" altLang="en-US"/>
               <a:t>第二级</a:t>
             </a:r>
-            <a:endParaRPr lang="zh-CN" altLang="en-US"/>
           </a:p>
           <a:p>
             <a:pPr lvl="2"/>
@@ -1535,7 +1534,6 @@
               <a:rPr lang="zh-CN" altLang="en-US"/>
               <a:t>第三级</a:t>
             </a:r>
-            <a:endParaRPr lang="zh-CN" altLang="en-US"/>
           </a:p>
           <a:p>
             <a:pPr lvl="3"/>
@@ -1543,7 +1541,6 @@
               <a:rPr lang="zh-CN" altLang="en-US"/>
               <a:t>第四级</a:t>
             </a:r>
-            <a:endParaRPr lang="zh-CN" altLang="en-US"/>
           </a:p>
           <a:p>
             <a:pPr lvl="4"/>
@@ -1551,7 +1548,6 @@
               <a:rPr lang="zh-CN" altLang="en-US"/>
               <a:t>第五级</a:t>
             </a:r>
-            <a:endParaRPr lang="zh-CN" altLang="en-US"/>
           </a:p>
         </p:txBody>
       </p:sp>
@@ -1580,7 +1576,6 @@
               <a:rPr lang="zh-CN" altLang="en-US"/>
               <a:t>单击此处编辑母版文本样式</a:t>
             </a:r>
-            <a:endParaRPr lang="zh-CN" altLang="en-US"/>
           </a:p>
           <a:p>
             <a:pPr lvl="1"/>
@@ -1588,7 +1583,6 @@
               <a:rPr lang="zh-CN" altLang="en-US"/>
               <a:t>第二级</a:t>
             </a:r>
-            <a:endParaRPr lang="zh-CN" altLang="en-US"/>
           </a:p>
           <a:p>
             <a:pPr lvl="2"/>
@@ -1596,7 +1590,6 @@
               <a:rPr lang="zh-CN" altLang="en-US"/>
               <a:t>第三级</a:t>
             </a:r>
-            <a:endParaRPr lang="zh-CN" altLang="en-US"/>
           </a:p>
           <a:p>
             <a:pPr lvl="3"/>
@@ -1604,7 +1597,6 @@
               <a:rPr lang="zh-CN" altLang="en-US"/>
               <a:t>第四级</a:t>
             </a:r>
-            <a:endParaRPr lang="zh-CN" altLang="en-US"/>
           </a:p>
           <a:p>
             <a:pPr lvl="4"/>
@@ -1612,7 +1604,6 @@
               <a:rPr lang="zh-CN" altLang="en-US"/>
               <a:t>第五级</a:t>
             </a:r>
-            <a:endParaRPr lang="zh-CN" altLang="en-US"/>
           </a:p>
         </p:txBody>
       </p:sp>
@@ -1633,6 +1624,7 @@
           <a:p>
             <a:fld id="{D997B5FA-0921-464F-AAE1-844C04324D75}" type="datetimeFigureOut">
               <a:rPr lang="zh-CN" altLang="en-US" smtClean="0"/>
+              <a:t>2022/6/7</a:t>
             </a:fld>
             <a:endParaRPr lang="zh-CN" altLang="en-US"/>
           </a:p>
@@ -1674,6 +1666,7 @@
           <a:p>
             <a:fld id="{565CE74E-AB26-4998-AD42-012C4C1AD076}" type="slidenum">
               <a:rPr lang="zh-CN" altLang="en-US" smtClean="0"/>
+              <a:t>‹#›</a:t>
             </a:fld>
             <a:endParaRPr lang="zh-CN" altLang="en-US"/>
           </a:p>
@@ -1728,7 +1721,6 @@
               <a:rPr lang="zh-CN" altLang="en-US"/>
               <a:t>单击此处编辑母版标题样式</a:t>
             </a:r>
-            <a:endParaRPr lang="zh-CN" altLang="en-US"/>
           </a:p>
         </p:txBody>
       </p:sp>
@@ -1794,7 +1786,6 @@
               <a:rPr lang="zh-CN" altLang="en-US"/>
               <a:t>单击此处编辑母版文本样式</a:t>
             </a:r>
-            <a:endParaRPr lang="zh-CN" altLang="en-US"/>
           </a:p>
         </p:txBody>
       </p:sp>
@@ -1823,7 +1814,6 @@
               <a:rPr lang="zh-CN" altLang="en-US"/>
               <a:t>单击此处编辑母版文本样式</a:t>
             </a:r>
-            <a:endParaRPr lang="zh-CN" altLang="en-US"/>
           </a:p>
           <a:p>
             <a:pPr lvl="1"/>
@@ -1831,7 +1821,6 @@
               <a:rPr lang="zh-CN" altLang="en-US"/>
               <a:t>第二级</a:t>
             </a:r>
-            <a:endParaRPr lang="zh-CN" altLang="en-US"/>
           </a:p>
           <a:p>
             <a:pPr lvl="2"/>
@@ -1839,7 +1828,6 @@
               <a:rPr lang="zh-CN" altLang="en-US"/>
               <a:t>第三级</a:t>
             </a:r>
-            <a:endParaRPr lang="zh-CN" altLang="en-US"/>
           </a:p>
           <a:p>
             <a:pPr lvl="3"/>
@@ -1847,7 +1835,6 @@
               <a:rPr lang="zh-CN" altLang="en-US"/>
               <a:t>第四级</a:t>
             </a:r>
-            <a:endParaRPr lang="zh-CN" altLang="en-US"/>
           </a:p>
           <a:p>
             <a:pPr lvl="4"/>
@@ -1855,7 +1842,6 @@
               <a:rPr lang="zh-CN" altLang="en-US"/>
               <a:t>第五级</a:t>
             </a:r>
-            <a:endParaRPr lang="zh-CN" altLang="en-US"/>
           </a:p>
         </p:txBody>
       </p:sp>
@@ -1921,7 +1907,6 @@
               <a:rPr lang="zh-CN" altLang="en-US"/>
               <a:t>单击此处编辑母版文本样式</a:t>
             </a:r>
-            <a:endParaRPr lang="zh-CN" altLang="en-US"/>
           </a:p>
         </p:txBody>
       </p:sp>
@@ -1950,7 +1935,6 @@
               <a:rPr lang="zh-CN" altLang="en-US"/>
               <a:t>单击此处编辑母版文本样式</a:t>
             </a:r>
-            <a:endParaRPr lang="zh-CN" altLang="en-US"/>
           </a:p>
           <a:p>
             <a:pPr lvl="1"/>
@@ -1958,7 +1942,6 @@
               <a:rPr lang="zh-CN" altLang="en-US"/>
               <a:t>第二级</a:t>
             </a:r>
-            <a:endParaRPr lang="zh-CN" altLang="en-US"/>
           </a:p>
           <a:p>
             <a:pPr lvl="2"/>
@@ -1966,7 +1949,6 @@
               <a:rPr lang="zh-CN" altLang="en-US"/>
               <a:t>第三级</a:t>
             </a:r>
-            <a:endParaRPr lang="zh-CN" altLang="en-US"/>
           </a:p>
           <a:p>
             <a:pPr lvl="3"/>
@@ -1974,7 +1956,6 @@
               <a:rPr lang="zh-CN" altLang="en-US"/>
               <a:t>第四级</a:t>
             </a:r>
-            <a:endParaRPr lang="zh-CN" altLang="en-US"/>
           </a:p>
           <a:p>
             <a:pPr lvl="4"/>
@@ -1982,7 +1963,6 @@
               <a:rPr lang="zh-CN" altLang="en-US"/>
               <a:t>第五级</a:t>
             </a:r>
-            <a:endParaRPr lang="zh-CN" altLang="en-US"/>
           </a:p>
         </p:txBody>
       </p:sp>
@@ -2003,6 +1983,7 @@
           <a:p>
             <a:fld id="{D997B5FA-0921-464F-AAE1-844C04324D75}" type="datetimeFigureOut">
               <a:rPr lang="zh-CN" altLang="en-US" smtClean="0"/>
+              <a:t>2022/6/7</a:t>
             </a:fld>
             <a:endParaRPr lang="zh-CN" altLang="en-US"/>
           </a:p>
@@ -2044,6 +2025,7 @@
           <a:p>
             <a:fld id="{565CE74E-AB26-4998-AD42-012C4C1AD076}" type="slidenum">
               <a:rPr lang="zh-CN" altLang="en-US" smtClean="0"/>
+              <a:t>‹#›</a:t>
             </a:fld>
             <a:endParaRPr lang="zh-CN" altLang="en-US"/>
           </a:p>
@@ -2093,7 +2075,6 @@
               <a:rPr lang="zh-CN" altLang="en-US"/>
               <a:t>单击此处编辑母版标题样式</a:t>
             </a:r>
-            <a:endParaRPr lang="zh-CN" altLang="en-US"/>
           </a:p>
         </p:txBody>
       </p:sp>
@@ -2114,6 +2095,7 @@
           <a:p>
             <a:fld id="{D997B5FA-0921-464F-AAE1-844C04324D75}" type="datetimeFigureOut">
               <a:rPr lang="zh-CN" altLang="en-US" smtClean="0"/>
+              <a:t>2022/6/7</a:t>
             </a:fld>
             <a:endParaRPr lang="zh-CN" altLang="en-US"/>
           </a:p>
@@ -2155,6 +2137,7 @@
           <a:p>
             <a:fld id="{565CE74E-AB26-4998-AD42-012C4C1AD076}" type="slidenum">
               <a:rPr lang="zh-CN" altLang="en-US" smtClean="0"/>
+              <a:t>‹#›</a:t>
             </a:fld>
             <a:endParaRPr lang="zh-CN" altLang="en-US"/>
           </a:p>
@@ -2202,6 +2185,7 @@
           <a:p>
             <a:fld id="{D997B5FA-0921-464F-AAE1-844C04324D75}" type="datetimeFigureOut">
               <a:rPr lang="zh-CN" altLang="en-US" smtClean="0"/>
+              <a:t>2022/6/7</a:t>
             </a:fld>
             <a:endParaRPr lang="zh-CN" altLang="en-US"/>
           </a:p>
@@ -2243,6 +2227,7 @@
           <a:p>
             <a:fld id="{565CE74E-AB26-4998-AD42-012C4C1AD076}" type="slidenum">
               <a:rPr lang="zh-CN" altLang="en-US" smtClean="0"/>
+              <a:t>‹#›</a:t>
             </a:fld>
             <a:endParaRPr lang="zh-CN" altLang="en-US"/>
           </a:p>
@@ -2301,7 +2286,6 @@
               <a:rPr lang="zh-CN" altLang="en-US"/>
               <a:t>单击此处编辑母版标题样式</a:t>
             </a:r>
-            <a:endParaRPr lang="zh-CN" altLang="en-US"/>
           </a:p>
         </p:txBody>
       </p:sp>
@@ -2358,7 +2342,6 @@
               <a:rPr lang="zh-CN" altLang="en-US"/>
               <a:t>单击此处编辑母版文本样式</a:t>
             </a:r>
-            <a:endParaRPr lang="zh-CN" altLang="en-US"/>
           </a:p>
           <a:p>
             <a:pPr lvl="1"/>
@@ -2366,7 +2349,6 @@
               <a:rPr lang="zh-CN" altLang="en-US"/>
               <a:t>第二级</a:t>
             </a:r>
-            <a:endParaRPr lang="zh-CN" altLang="en-US"/>
           </a:p>
           <a:p>
             <a:pPr lvl="2"/>
@@ -2374,7 +2356,6 @@
               <a:rPr lang="zh-CN" altLang="en-US"/>
               <a:t>第三级</a:t>
             </a:r>
-            <a:endParaRPr lang="zh-CN" altLang="en-US"/>
           </a:p>
           <a:p>
             <a:pPr lvl="3"/>
@@ -2382,7 +2363,6 @@
               <a:rPr lang="zh-CN" altLang="en-US"/>
               <a:t>第四级</a:t>
             </a:r>
-            <a:endParaRPr lang="zh-CN" altLang="en-US"/>
           </a:p>
           <a:p>
             <a:pPr lvl="4"/>
@@ -2390,7 +2370,6 @@
               <a:rPr lang="zh-CN" altLang="en-US"/>
               <a:t>第五级</a:t>
             </a:r>
-            <a:endParaRPr lang="zh-CN" altLang="en-US"/>
           </a:p>
         </p:txBody>
       </p:sp>
@@ -2456,7 +2435,6 @@
               <a:rPr lang="zh-CN" altLang="en-US"/>
               <a:t>单击此处编辑母版文本样式</a:t>
             </a:r>
-            <a:endParaRPr lang="zh-CN" altLang="en-US"/>
           </a:p>
         </p:txBody>
       </p:sp>
@@ -2477,6 +2455,7 @@
           <a:p>
             <a:fld id="{D997B5FA-0921-464F-AAE1-844C04324D75}" type="datetimeFigureOut">
               <a:rPr lang="zh-CN" altLang="en-US" smtClean="0"/>
+              <a:t>2022/6/7</a:t>
             </a:fld>
             <a:endParaRPr lang="zh-CN" altLang="en-US"/>
           </a:p>
@@ -2518,6 +2497,7 @@
           <a:p>
             <a:fld id="{565CE74E-AB26-4998-AD42-012C4C1AD076}" type="slidenum">
               <a:rPr lang="zh-CN" altLang="en-US" smtClean="0"/>
+              <a:t>‹#›</a:t>
             </a:fld>
             <a:endParaRPr lang="zh-CN" altLang="en-US"/>
           </a:p>
@@ -2576,7 +2556,6 @@
               <a:rPr lang="zh-CN" altLang="en-US"/>
               <a:t>单击此处编辑母版标题样式</a:t>
             </a:r>
-            <a:endParaRPr lang="zh-CN" altLang="en-US"/>
           </a:p>
         </p:txBody>
       </p:sp>
@@ -2703,7 +2682,6 @@
               <a:rPr lang="zh-CN" altLang="en-US"/>
               <a:t>单击此处编辑母版文本样式</a:t>
             </a:r>
-            <a:endParaRPr lang="zh-CN" altLang="en-US"/>
           </a:p>
         </p:txBody>
       </p:sp>
@@ -2724,6 +2702,7 @@
           <a:p>
             <a:fld id="{D997B5FA-0921-464F-AAE1-844C04324D75}" type="datetimeFigureOut">
               <a:rPr lang="zh-CN" altLang="en-US" smtClean="0"/>
+              <a:t>2022/6/7</a:t>
             </a:fld>
             <a:endParaRPr lang="zh-CN" altLang="en-US"/>
           </a:p>
@@ -2765,6 +2744,7 @@
           <a:p>
             <a:fld id="{565CE74E-AB26-4998-AD42-012C4C1AD076}" type="slidenum">
               <a:rPr lang="zh-CN" altLang="en-US" smtClean="0"/>
+              <a:t>‹#›</a:t>
             </a:fld>
             <a:endParaRPr lang="zh-CN" altLang="en-US"/>
           </a:p>
@@ -2829,7 +2809,6 @@
               <a:rPr lang="zh-CN" altLang="en-US"/>
               <a:t>单击此处编辑母版标题样式</a:t>
             </a:r>
-            <a:endParaRPr lang="zh-CN" altLang="en-US"/>
           </a:p>
         </p:txBody>
       </p:sp>
@@ -2863,7 +2842,6 @@
               <a:rPr lang="zh-CN" altLang="en-US"/>
               <a:t>单击此处编辑母版文本样式</a:t>
             </a:r>
-            <a:endParaRPr lang="zh-CN" altLang="en-US"/>
           </a:p>
           <a:p>
             <a:pPr lvl="1"/>
@@ -2871,7 +2849,6 @@
               <a:rPr lang="zh-CN" altLang="en-US"/>
               <a:t>第二级</a:t>
             </a:r>
-            <a:endParaRPr lang="zh-CN" altLang="en-US"/>
           </a:p>
           <a:p>
             <a:pPr lvl="2"/>
@@ -2879,7 +2856,6 @@
               <a:rPr lang="zh-CN" altLang="en-US"/>
               <a:t>第三级</a:t>
             </a:r>
-            <a:endParaRPr lang="zh-CN" altLang="en-US"/>
           </a:p>
           <a:p>
             <a:pPr lvl="3"/>
@@ -2887,7 +2863,6 @@
               <a:rPr lang="zh-CN" altLang="en-US"/>
               <a:t>第四级</a:t>
             </a:r>
-            <a:endParaRPr lang="zh-CN" altLang="en-US"/>
           </a:p>
           <a:p>
             <a:pPr lvl="4"/>
@@ -2895,7 +2870,6 @@
               <a:rPr lang="zh-CN" altLang="en-US"/>
               <a:t>第五级</a:t>
             </a:r>
-            <a:endParaRPr lang="zh-CN" altLang="en-US"/>
           </a:p>
         </p:txBody>
       </p:sp>
@@ -2934,6 +2908,7 @@
           <a:p>
             <a:fld id="{D997B5FA-0921-464F-AAE1-844C04324D75}" type="datetimeFigureOut">
               <a:rPr lang="zh-CN" altLang="en-US" smtClean="0"/>
+              <a:t>2022/6/7</a:t>
             </a:fld>
             <a:endParaRPr lang="zh-CN" altLang="en-US"/>
           </a:p>
@@ -3011,6 +2986,7 @@
           <a:p>
             <a:fld id="{565CE74E-AB26-4998-AD42-012C4C1AD076}" type="slidenum">
               <a:rPr lang="zh-CN" altLang="en-US" smtClean="0"/>
+              <a:t>‹#›</a:t>
             </a:fld>
             <a:endParaRPr lang="zh-CN" altLang="en-US"/>
           </a:p>
@@ -3341,7 +3317,7 @@
           <p:nvPr/>
         </p:nvPicPr>
         <p:blipFill>
-          <a:blip r:embed="rId1"/>
+          <a:blip r:embed="rId2"/>
           <a:stretch>
             <a:fillRect/>
           </a:stretch>
@@ -3495,22 +3471,6 @@
               </a:rPr>
               <a:t>面向企业技术需求的专家对接服务平台</a:t>
             </a:r>
-            <a:endParaRPr kumimoji="0" lang="zh-CN" altLang="en-US" sz="2800" i="0" u="none" strike="noStrike" kern="1200" cap="none" spc="0" normalizeH="0" baseline="0" noProof="0" dirty="0">
-              <a:ln>
-                <a:noFill/>
-              </a:ln>
-              <a:solidFill>
-                <a:schemeClr val="accent1">
-                  <a:lumMod val="75000"/>
-                </a:schemeClr>
-              </a:solidFill>
-              <a:effectLst/>
-              <a:uLnTx/>
-              <a:uFillTx/>
-              <a:latin typeface="经典综艺体简" panose="02010609000101010101" pitchFamily="49" charset="-122"/>
-              <a:ea typeface="经典综艺体简" panose="02010609000101010101" pitchFamily="49" charset="-122"/>
-              <a:cs typeface="经典综艺体简" panose="02010609000101010101" pitchFamily="49" charset="-122"/>
-            </a:endParaRPr>
           </a:p>
         </p:txBody>
       </p:sp>
@@ -3659,7 +3619,7 @@
           <p:nvPr/>
         </p:nvPicPr>
         <p:blipFill>
-          <a:blip r:embed="rId2"/>
+          <a:blip r:embed="rId3"/>
           <a:stretch>
             <a:fillRect/>
           </a:stretch>
@@ -3824,7 +3784,6 @@
               <a:rPr lang="en-US" altLang="zh-CN"/>
               <a:t>6-7</a:t>
             </a:r>
-            <a:endParaRPr lang="en-US" altLang="zh-CN"/>
           </a:p>
         </p:txBody>
       </p:sp>
@@ -3854,7 +3813,92 @@
               <a:rPr lang="zh-CN" altLang="en-US"/>
               <a:t>汇报：徐塨霖</a:t>
             </a:r>
+          </a:p>
+        </p:txBody>
+      </p:sp>
+      <p:sp>
+        <p:nvSpPr>
+          <p:cNvPr id="13" name="矩形 12">
+            <a:extLst>
+              <a:ext uri="{FF2B5EF4-FFF2-40B4-BE49-F238E27FC236}">
+                <a16:creationId xmlns:a16="http://schemas.microsoft.com/office/drawing/2014/main" id="{7380EBEA-80DD-DB47-B9A7-2919494DBF83}"/>
+              </a:ext>
+            </a:extLst>
+          </p:cNvPr>
+          <p:cNvSpPr/>
+          <p:nvPr/>
+        </p:nvSpPr>
+        <p:spPr>
+          <a:xfrm>
+            <a:off x="3747184" y="4372610"/>
+            <a:ext cx="1707409" cy="589915"/>
+          </a:xfrm>
+          <a:prstGeom prst="rect">
+            <a:avLst/>
+          </a:prstGeom>
+        </p:spPr>
+        <p:style>
+          <a:lnRef idx="2">
+            <a:schemeClr val="accent1">
+              <a:shade val="50000"/>
+            </a:schemeClr>
+          </a:lnRef>
+          <a:fillRef idx="1">
+            <a:schemeClr val="accent1"/>
+          </a:fillRef>
+          <a:effectRef idx="0">
+            <a:schemeClr val="accent1"/>
+          </a:effectRef>
+          <a:fontRef idx="minor">
+            <a:schemeClr val="lt1"/>
+          </a:fontRef>
+        </p:style>
+        <p:txBody>
+          <a:bodyPr rtlCol="0" anchor="ctr"/>
+          <a:lstStyle/>
+          <a:p>
+            <a:pPr algn="ctr"/>
             <a:endParaRPr lang="zh-CN" altLang="en-US"/>
+          </a:p>
+        </p:txBody>
+      </p:sp>
+      <p:sp>
+        <p:nvSpPr>
+          <p:cNvPr id="14" name="文本框 13">
+            <a:extLst>
+              <a:ext uri="{FF2B5EF4-FFF2-40B4-BE49-F238E27FC236}">
+                <a16:creationId xmlns:a16="http://schemas.microsoft.com/office/drawing/2014/main" id="{B759B731-57D6-9E42-B63C-330208CDE356}"/>
+              </a:ext>
+            </a:extLst>
+          </p:cNvPr>
+          <p:cNvSpPr txBox="1"/>
+          <p:nvPr/>
+        </p:nvSpPr>
+        <p:spPr>
+          <a:xfrm>
+            <a:off x="3747185" y="4483100"/>
+            <a:ext cx="1856740" cy="369332"/>
+          </a:xfrm>
+          <a:prstGeom prst="rect">
+            <a:avLst/>
+          </a:prstGeom>
+          <a:noFill/>
+        </p:spPr>
+        <p:txBody>
+          <a:bodyPr wrap="square" rtlCol="0">
+            <a:spAutoFit/>
+          </a:bodyPr>
+          <a:lstStyle/>
+          <a:p>
+            <a:r>
+              <a:rPr lang="en-US" altLang="zh-CN" dirty="0"/>
+              <a:t>O2E-TU-2 </a:t>
+            </a:r>
+            <a:r>
+              <a:rPr lang="zh-CN" altLang="en-US" dirty="0"/>
+              <a:t>小组</a:t>
+            </a:r>
+            <a:endParaRPr lang="en-US" altLang="zh-CN" dirty="0"/>
           </a:p>
         </p:txBody>
       </p:sp>
@@ -4026,20 +4070,6 @@
                 </a:rPr>
                 <a:t>企业端</a:t>
               </a:r>
-              <a:endParaRPr kumimoji="0" lang="zh-CN" altLang="en-US" sz="3200" b="1" i="0" u="none" strike="noStrike" kern="0" cap="none" spc="0" normalizeH="0" baseline="0" noProof="0" dirty="0">
-                <a:ln>
-                  <a:noFill/>
-                </a:ln>
-                <a:solidFill>
-                  <a:prstClr val="white"/>
-                </a:solidFill>
-                <a:effectLst/>
-                <a:uLnTx/>
-                <a:uFillTx/>
-                <a:latin typeface="Verdana" panose="020B0604030504040204"/>
-                <a:ea typeface="微软雅黑" panose="020B0503020204020204" pitchFamily="34" charset="-122"/>
-                <a:cs typeface="+mn-cs"/>
-              </a:endParaRPr>
             </a:p>
           </p:txBody>
         </p:sp>
@@ -4309,7 +4339,7 @@
           <p:nvPr/>
         </p:nvPicPr>
         <p:blipFill>
-          <a:blip r:embed="rId1"/>
+          <a:blip r:embed="rId2"/>
           <a:stretch>
             <a:fillRect/>
           </a:stretch>
@@ -4369,11 +4399,6 @@
               </a:rPr>
               <a:t>需求页面</a:t>
             </a:r>
-            <a:endParaRPr lang="zh-CN" altLang="en-US" sz="2400" b="1">
-              <a:latin typeface="+mn-ea"/>
-              <a:cs typeface="华光楷体一_CNKI" panose="02000500000000000000" charset="-122"/>
-              <a:sym typeface="+mn-ea"/>
-            </a:endParaRPr>
           </a:p>
         </p:txBody>
       </p:sp>
@@ -4406,10 +4431,6 @@
               </a:rPr>
               <a:t>搜索框无法点击</a:t>
             </a:r>
-            <a:endParaRPr lang="zh-CN" altLang="en-US">
-              <a:latin typeface="华文楷体" panose="02010600040101010101" charset="-122"/>
-              <a:ea typeface="华文楷体" panose="02010600040101010101" charset="-122"/>
-            </a:endParaRPr>
           </a:p>
         </p:txBody>
       </p:sp>
@@ -4422,7 +4443,7 @@
           <p:nvPr/>
         </p:nvPicPr>
         <p:blipFill>
-          <a:blip r:embed="rId2"/>
+          <a:blip r:embed="rId3"/>
           <a:stretch>
             <a:fillRect/>
           </a:stretch>
@@ -4445,13 +4466,6 @@
   <p:transition>
     <p:wipe/>
   </p:transition>
-  <p:timing>
-    <p:tnLst>
-      <p:par>
-        <p:cTn id="1" dur="indefinite" restart="never" nodeType="tmRoot"/>
-      </p:par>
-    </p:tnLst>
-  </p:timing>
 </p:sld>
 </file>
 
@@ -4612,20 +4626,6 @@
                 </a:rPr>
                 <a:t>个人信息相关</a:t>
               </a:r>
-              <a:endParaRPr kumimoji="0" lang="zh-CN" altLang="en-US" sz="3200" b="1" i="0" u="none" strike="noStrike" kern="0" cap="none" spc="0" normalizeH="0" baseline="0" noProof="0" dirty="0">
-                <a:ln>
-                  <a:noFill/>
-                </a:ln>
-                <a:solidFill>
-                  <a:prstClr val="white"/>
-                </a:solidFill>
-                <a:effectLst/>
-                <a:uLnTx/>
-                <a:uFillTx/>
-                <a:latin typeface="Verdana" panose="020B0604030504040204"/>
-                <a:ea typeface="微软雅黑" panose="020B0503020204020204" pitchFamily="34" charset="-122"/>
-                <a:cs typeface="+mn-cs"/>
-              </a:endParaRPr>
             </a:p>
           </p:txBody>
         </p:sp>
@@ -4895,7 +4895,7 @@
           <p:nvPr/>
         </p:nvPicPr>
         <p:blipFill>
-          <a:blip r:embed="rId1"/>
+          <a:blip r:embed="rId2"/>
           <a:stretch>
             <a:fillRect/>
           </a:stretch>
@@ -4955,11 +4955,6 @@
               </a:rPr>
               <a:t>性别修改</a:t>
             </a:r>
-            <a:endParaRPr lang="zh-CN" altLang="en-US" sz="2400" b="1">
-              <a:latin typeface="+mn-ea"/>
-              <a:cs typeface="华光楷体一_CNKI" panose="02000500000000000000" charset="-122"/>
-              <a:sym typeface="+mn-ea"/>
-            </a:endParaRPr>
           </a:p>
         </p:txBody>
       </p:sp>
@@ -4992,10 +4987,6 @@
               </a:rPr>
               <a:t>个人信息修改性别可以输入一些字符变成“男”“女”之外的性别</a:t>
             </a:r>
-            <a:endParaRPr lang="zh-CN" altLang="en-US">
-              <a:latin typeface="华文楷体" panose="02010600040101010101" charset="-122"/>
-              <a:ea typeface="华文楷体" panose="02010600040101010101" charset="-122"/>
-            </a:endParaRPr>
           </a:p>
         </p:txBody>
       </p:sp>
@@ -5008,7 +4999,7 @@
           <p:nvPr/>
         </p:nvPicPr>
         <p:blipFill>
-          <a:blip r:embed="rId2"/>
+          <a:blip r:embed="rId3"/>
           <a:stretch>
             <a:fillRect/>
           </a:stretch>
@@ -5274,20 +5265,6 @@
                 </a:rPr>
                 <a:t>个人信息相关</a:t>
               </a:r>
-              <a:endParaRPr kumimoji="0" lang="zh-CN" altLang="en-US" sz="3200" b="1" i="0" u="none" strike="noStrike" kern="0" cap="none" spc="0" normalizeH="0" baseline="0" noProof="0" dirty="0">
-                <a:ln>
-                  <a:noFill/>
-                </a:ln>
-                <a:solidFill>
-                  <a:prstClr val="white"/>
-                </a:solidFill>
-                <a:effectLst/>
-                <a:uLnTx/>
-                <a:uFillTx/>
-                <a:latin typeface="Verdana" panose="020B0604030504040204"/>
-                <a:ea typeface="微软雅黑" panose="020B0503020204020204" pitchFamily="34" charset="-122"/>
-                <a:cs typeface="+mn-cs"/>
-              </a:endParaRPr>
             </a:p>
           </p:txBody>
         </p:sp>
@@ -5557,7 +5534,7 @@
           <p:nvPr/>
         </p:nvPicPr>
         <p:blipFill>
-          <a:blip r:embed="rId1"/>
+          <a:blip r:embed="rId2"/>
           <a:stretch>
             <a:fillRect/>
           </a:stretch>
@@ -5609,11 +5586,6 @@
               </a:rPr>
               <a:t>2.编辑资料</a:t>
             </a:r>
-            <a:endParaRPr lang="en-US" altLang="zh-CN" sz="2400" b="1">
-              <a:latin typeface="+mn-ea"/>
-              <a:cs typeface="华光楷体一_CNKI" panose="02000500000000000000" charset="-122"/>
-              <a:sym typeface="+mn-ea"/>
-            </a:endParaRPr>
           </a:p>
         </p:txBody>
       </p:sp>
@@ -5646,10 +5618,6 @@
               </a:rPr>
               <a:t>个人主页的编辑资料按钮点进去修改是无效的</a:t>
             </a:r>
-            <a:endParaRPr lang="zh-CN" altLang="en-US">
-              <a:latin typeface="华文楷体" panose="02010600040101010101" charset="-122"/>
-              <a:ea typeface="华文楷体" panose="02010600040101010101" charset="-122"/>
-            </a:endParaRPr>
           </a:p>
         </p:txBody>
       </p:sp>
@@ -5662,7 +5630,7 @@
           <p:nvPr/>
         </p:nvPicPr>
         <p:blipFill>
-          <a:blip r:embed="rId2"/>
+          <a:blip r:embed="rId3"/>
           <a:stretch>
             <a:fillRect/>
           </a:stretch>
@@ -5928,20 +5896,6 @@
                 </a:rPr>
                 <a:t>个人信息相关</a:t>
               </a:r>
-              <a:endParaRPr kumimoji="0" lang="zh-CN" altLang="en-US" sz="3200" b="1" i="0" u="none" strike="noStrike" kern="0" cap="none" spc="0" normalizeH="0" baseline="0" noProof="0" dirty="0">
-                <a:ln>
-                  <a:noFill/>
-                </a:ln>
-                <a:solidFill>
-                  <a:prstClr val="white"/>
-                </a:solidFill>
-                <a:effectLst/>
-                <a:uLnTx/>
-                <a:uFillTx/>
-                <a:latin typeface="Verdana" panose="020B0604030504040204"/>
-                <a:ea typeface="微软雅黑" panose="020B0503020204020204" pitchFamily="34" charset="-122"/>
-                <a:cs typeface="+mn-cs"/>
-              </a:endParaRPr>
             </a:p>
           </p:txBody>
         </p:sp>
@@ -6211,7 +6165,7 @@
           <p:nvPr/>
         </p:nvPicPr>
         <p:blipFill>
-          <a:blip r:embed="rId1"/>
+          <a:blip r:embed="rId2"/>
           <a:stretch>
             <a:fillRect/>
           </a:stretch>
@@ -6271,11 +6225,6 @@
               </a:rPr>
               <a:t>页面渲染</a:t>
             </a:r>
-            <a:endParaRPr lang="zh-CN" altLang="en-US" sz="2400" b="1">
-              <a:latin typeface="+mn-ea"/>
-              <a:cs typeface="华光楷体一_CNKI" panose="02000500000000000000" charset="-122"/>
-              <a:sym typeface="+mn-ea"/>
-            </a:endParaRPr>
           </a:p>
         </p:txBody>
       </p:sp>
@@ -6318,13 +6267,6 @@
               </a:rPr>
               <a:t>（复现）</a:t>
             </a:r>
-            <a:endParaRPr lang="zh-CN" altLang="en-US">
-              <a:solidFill>
-                <a:srgbClr val="FF0000"/>
-              </a:solidFill>
-              <a:latin typeface="华文楷体" panose="02010600040101010101" charset="-122"/>
-              <a:ea typeface="华文楷体" panose="02010600040101010101" charset="-122"/>
-            </a:endParaRPr>
           </a:p>
         </p:txBody>
       </p:sp>
@@ -6337,7 +6279,7 @@
           <p:nvPr/>
         </p:nvPicPr>
         <p:blipFill>
-          <a:blip r:embed="rId2"/>
+          <a:blip r:embed="rId3"/>
           <a:stretch>
             <a:fillRect/>
           </a:stretch>
@@ -6497,11 +6439,6 @@
               </a:rPr>
               <a:t>工作进展汇报</a:t>
             </a:r>
-            <a:endParaRPr lang="zh-CN" altLang="en-US" sz="6000" b="1" dirty="0">
-              <a:latin typeface="微软雅黑" panose="020B0503020204020204" pitchFamily="34" charset="-122"/>
-              <a:ea typeface="微软雅黑" panose="020B0503020204020204" pitchFamily="34" charset="-122"/>
-              <a:cs typeface="Yuppy SC" panose="020F0603040207020204" pitchFamily="34" charset="-122"/>
-            </a:endParaRPr>
           </a:p>
         </p:txBody>
       </p:sp>
@@ -6514,7 +6451,7 @@
           <p:nvPr/>
         </p:nvPicPr>
         <p:blipFill>
-          <a:blip r:embed="rId1"/>
+          <a:blip r:embed="rId2"/>
           <a:stretch>
             <a:fillRect/>
           </a:stretch>
@@ -7370,7 +7307,7 @@
           <p:nvPr/>
         </p:nvPicPr>
         <p:blipFill>
-          <a:blip r:embed="rId2"/>
+          <a:blip r:embed="rId3"/>
           <a:stretch>
             <a:fillRect/>
           </a:stretch>
@@ -7553,20 +7490,6 @@
                 </a:rPr>
                 <a:t>完成任务</a:t>
               </a:r>
-              <a:endParaRPr kumimoji="0" lang="zh-CN" altLang="en-US" sz="3200" b="1" i="0" u="none" strike="noStrike" kern="0" cap="none" spc="0" normalizeH="0" baseline="0" noProof="0" dirty="0">
-                <a:ln>
-                  <a:noFill/>
-                </a:ln>
-                <a:solidFill>
-                  <a:prstClr val="white"/>
-                </a:solidFill>
-                <a:effectLst/>
-                <a:uLnTx/>
-                <a:uFillTx/>
-                <a:latin typeface="Verdana" panose="020B0604030504040204"/>
-                <a:ea typeface="微软雅黑" panose="020B0503020204020204" pitchFamily="34" charset="-122"/>
-                <a:cs typeface="+mn-cs"/>
-              </a:endParaRPr>
             </a:p>
           </p:txBody>
         </p:sp>
@@ -7813,13 +7736,6 @@
               </a:rPr>
               <a:t> 工作进展汇报</a:t>
             </a:r>
-            <a:endParaRPr kumimoji="1" lang="zh-CN" altLang="en-US" sz="3200" b="1" dirty="0">
-              <a:solidFill>
-                <a:schemeClr val="tx2"/>
-              </a:solidFill>
-              <a:latin typeface="微软雅黑" panose="020B0503020204020204" pitchFamily="34" charset="-122"/>
-              <a:ea typeface="微软雅黑" panose="020B0503020204020204" pitchFamily="34" charset="-122"/>
-            </a:endParaRPr>
           </a:p>
         </p:txBody>
       </p:sp>
@@ -7832,7 +7748,7 @@
           <p:nvPr/>
         </p:nvPicPr>
         <p:blipFill>
-          <a:blip r:embed="rId1"/>
+          <a:blip r:embed="rId2"/>
           <a:stretch>
             <a:fillRect/>
           </a:stretch>
@@ -7912,10 +7828,6 @@
               </a:rPr>
               <a:t>修正</a:t>
             </a:r>
-            <a:endParaRPr lang="zh-CN" altLang="en-US" sz="2400">
-              <a:latin typeface="华文楷体" panose="02010600040101010101" charset="-122"/>
-              <a:ea typeface="华文楷体" panose="02010600040101010101" charset="-122"/>
-            </a:endParaRPr>
           </a:p>
           <a:p>
             <a:pPr indent="0" fontAlgn="auto">
@@ -7942,10 +7854,6 @@
               </a:rPr>
               <a:t>对互测版本出现的问题总结和修正</a:t>
             </a:r>
-            <a:endParaRPr lang="zh-CN" altLang="en-US" sz="2400">
-              <a:latin typeface="华文楷体" panose="02010600040101010101" charset="-122"/>
-              <a:ea typeface="华文楷体" panose="02010600040101010101" charset="-122"/>
-            </a:endParaRPr>
           </a:p>
           <a:p>
             <a:pPr marL="457200" lvl="1" indent="0" fontAlgn="auto">
@@ -8129,20 +8037,6 @@
                 </a:rPr>
                 <a:t>下周规划</a:t>
               </a:r>
-              <a:endParaRPr kumimoji="0" lang="zh-CN" altLang="en-US" sz="3200" b="1" i="0" u="none" strike="noStrike" kern="0" cap="none" spc="0" normalizeH="0" baseline="0" noProof="0" dirty="0">
-                <a:ln>
-                  <a:noFill/>
-                </a:ln>
-                <a:solidFill>
-                  <a:prstClr val="white"/>
-                </a:solidFill>
-                <a:effectLst/>
-                <a:uLnTx/>
-                <a:uFillTx/>
-                <a:latin typeface="Verdana" panose="020B0604030504040204"/>
-                <a:ea typeface="微软雅黑" panose="020B0503020204020204" pitchFamily="34" charset="-122"/>
-                <a:cs typeface="+mn-cs"/>
-              </a:endParaRPr>
             </a:p>
           </p:txBody>
         </p:sp>
@@ -8389,13 +8283,6 @@
               </a:rPr>
               <a:t> 工作进展汇报</a:t>
             </a:r>
-            <a:endParaRPr kumimoji="1" lang="zh-CN" altLang="en-US" sz="3200" b="1" dirty="0">
-              <a:solidFill>
-                <a:schemeClr val="tx2"/>
-              </a:solidFill>
-              <a:latin typeface="微软雅黑" panose="020B0503020204020204" pitchFamily="34" charset="-122"/>
-              <a:ea typeface="微软雅黑" panose="020B0503020204020204" pitchFamily="34" charset="-122"/>
-            </a:endParaRPr>
           </a:p>
         </p:txBody>
       </p:sp>
@@ -8408,7 +8295,7 @@
           <p:nvPr/>
         </p:nvPicPr>
         <p:blipFill>
-          <a:blip r:embed="rId1"/>
+          <a:blip r:embed="rId2"/>
           <a:stretch>
             <a:fillRect/>
           </a:stretch>
@@ -8472,9 +8359,6 @@
               </a:rPr>
               <a:t>修改bug，发布稳定版本</a:t>
             </a:r>
-            <a:endParaRPr lang="zh-CN" altLang="en-US" sz="2400">
-              <a:ea typeface="华文楷体" panose="02010600040101010101" charset="-122"/>
-            </a:endParaRPr>
           </a:p>
           <a:p>
             <a:pPr marL="457200" lvl="1" indent="0" fontAlgn="auto">
@@ -8812,7 +8696,7 @@
           <p:nvPr/>
         </p:nvPicPr>
         <p:blipFill>
-          <a:blip r:embed="rId1"/>
+          <a:blip r:embed="rId2"/>
           <a:stretch>
             <a:fillRect/>
           </a:stretch>
@@ -8836,7 +8720,7 @@
           <p:nvPr/>
         </p:nvPicPr>
         <p:blipFill>
-          <a:blip r:embed="rId2"/>
+          <a:blip r:embed="rId3"/>
           <a:stretch>
             <a:fillRect/>
           </a:stretch>
@@ -9272,7 +9156,7 @@
           <p:nvPr/>
         </p:nvPicPr>
         <p:blipFill>
-          <a:blip r:embed="rId1"/>
+          <a:blip r:embed="rId2"/>
           <a:stretch>
             <a:fillRect/>
           </a:stretch>
@@ -9296,7 +9180,7 @@
           <p:nvPr/>
         </p:nvPicPr>
         <p:blipFill>
-          <a:blip r:embed="rId2"/>
+          <a:blip r:embed="rId3"/>
           <a:stretch>
             <a:fillRect/>
           </a:stretch>
@@ -9507,20 +9391,6 @@
               </a:rPr>
               <a:t>互测情况汇报</a:t>
             </a:r>
-            <a:endParaRPr kumimoji="0" lang="zh-CN" altLang="en-US" sz="2800" b="1" i="0" u="none" strike="noStrike" kern="1200" cap="none" spc="0" normalizeH="0" baseline="0" noProof="0" dirty="0">
-              <a:ln>
-                <a:noFill/>
-              </a:ln>
-              <a:solidFill>
-                <a:prstClr val="white"/>
-              </a:solidFill>
-              <a:effectLst/>
-              <a:uLnTx/>
-              <a:uFillTx/>
-              <a:latin typeface="微软雅黑" panose="020B0503020204020204" pitchFamily="34" charset="-122"/>
-              <a:ea typeface="微软雅黑" panose="020B0503020204020204" pitchFamily="34" charset="-122"/>
-              <a:cs typeface="Aharoni" panose="02010803020104030203" pitchFamily="2" charset="-79"/>
-            </a:endParaRPr>
           </a:p>
         </p:txBody>
       </p:sp>
@@ -9771,11 +9641,6 @@
               </a:rPr>
               <a:t>目录</a:t>
             </a:r>
-            <a:endParaRPr lang="zh-CN" altLang="en-US" sz="4400" b="1" dirty="0">
-              <a:latin typeface="微软雅黑" panose="020B0503020204020204" pitchFamily="34" charset="-122"/>
-              <a:ea typeface="微软雅黑" panose="020B0503020204020204" pitchFamily="34" charset="-122"/>
-              <a:cs typeface="Yuppy SC" panose="020F0603040207020204" pitchFamily="34" charset="-122"/>
-            </a:endParaRPr>
           </a:p>
         </p:txBody>
       </p:sp>
@@ -10559,20 +10424,6 @@
               </a:rPr>
               <a:t>工作进展汇报</a:t>
             </a:r>
-            <a:endParaRPr kumimoji="0" lang="zh-CN" altLang="en-US" sz="2800" b="1" i="0" u="none" strike="noStrike" kern="1200" cap="none" spc="0" normalizeH="0" baseline="0" noProof="0" dirty="0">
-              <a:ln>
-                <a:noFill/>
-              </a:ln>
-              <a:solidFill>
-                <a:prstClr val="white"/>
-              </a:solidFill>
-              <a:effectLst/>
-              <a:uLnTx/>
-              <a:uFillTx/>
-              <a:latin typeface="微软雅黑" panose="020B0503020204020204" pitchFamily="34" charset="-122"/>
-              <a:ea typeface="微软雅黑" panose="020B0503020204020204" pitchFamily="34" charset="-122"/>
-              <a:cs typeface="Aharoni" panose="02010803020104030203" pitchFamily="2" charset="-79"/>
-            </a:endParaRPr>
           </a:p>
         </p:txBody>
       </p:sp>
@@ -10589,7 +10440,7 @@
           </p:nvPr>
         </p:nvPicPr>
         <p:blipFill>
-          <a:blip r:embed="rId2"/>
+          <a:blip r:embed="rId3"/>
           <a:stretch>
             <a:fillRect/>
           </a:stretch>
@@ -10666,11 +10517,6 @@
               </a:rPr>
               <a:t>互测情况汇报</a:t>
             </a:r>
-            <a:endParaRPr lang="zh-CN" altLang="en-US" sz="6000" b="1" dirty="0">
-              <a:latin typeface="微软雅黑" panose="020B0503020204020204" pitchFamily="34" charset="-122"/>
-              <a:ea typeface="微软雅黑" panose="020B0503020204020204" pitchFamily="34" charset="-122"/>
-              <a:cs typeface="Yuppy SC" panose="020F0603040207020204" pitchFamily="34" charset="-122"/>
-            </a:endParaRPr>
           </a:p>
         </p:txBody>
       </p:sp>
@@ -10683,7 +10529,7 @@
           <p:nvPr/>
         </p:nvPicPr>
         <p:blipFill>
-          <a:blip r:embed="rId1"/>
+          <a:blip r:embed="rId2"/>
           <a:stretch>
             <a:fillRect/>
           </a:stretch>
@@ -11539,7 +11385,7 @@
           <p:nvPr/>
         </p:nvPicPr>
         <p:blipFill>
-          <a:blip r:embed="rId2"/>
+          <a:blip r:embed="rId3"/>
           <a:stretch>
             <a:fillRect/>
           </a:stretch>
@@ -11722,20 +11568,6 @@
                 </a:rPr>
                 <a:t>用户注册与登陆</a:t>
               </a:r>
-              <a:endParaRPr kumimoji="0" lang="zh-CN" altLang="en-US" sz="3200" b="1" i="0" u="none" strike="noStrike" kern="0" cap="none" spc="0" normalizeH="0" baseline="0" noProof="0" dirty="0">
-                <a:ln>
-                  <a:noFill/>
-                </a:ln>
-                <a:solidFill>
-                  <a:prstClr val="white"/>
-                </a:solidFill>
-                <a:effectLst/>
-                <a:uLnTx/>
-                <a:uFillTx/>
-                <a:latin typeface="Verdana" panose="020B0604030504040204"/>
-                <a:ea typeface="微软雅黑" panose="020B0503020204020204" pitchFamily="34" charset="-122"/>
-                <a:cs typeface="+mn-cs"/>
-              </a:endParaRPr>
             </a:p>
           </p:txBody>
         </p:sp>
@@ -11982,13 +11814,6 @@
               </a:rPr>
               <a:t> 互测情况汇报</a:t>
             </a:r>
-            <a:endParaRPr kumimoji="1" lang="zh-CN" altLang="en-US" sz="3200" b="1" dirty="0">
-              <a:solidFill>
-                <a:schemeClr val="tx2"/>
-              </a:solidFill>
-              <a:latin typeface="微软雅黑" panose="020B0503020204020204" pitchFamily="34" charset="-122"/>
-              <a:ea typeface="微软雅黑" panose="020B0503020204020204" pitchFamily="34" charset="-122"/>
-            </a:endParaRPr>
           </a:p>
         </p:txBody>
       </p:sp>
@@ -12037,11 +11862,6 @@
               </a:rPr>
               <a:t>注册验证码</a:t>
             </a:r>
-            <a:endParaRPr lang="zh-CN" altLang="en-US" sz="2400" b="1">
-              <a:latin typeface="+mn-ea"/>
-              <a:cs typeface="华光楷体一_CNKI" panose="02000500000000000000" charset="-122"/>
-              <a:sym typeface="+mn-ea"/>
-            </a:endParaRPr>
           </a:p>
         </p:txBody>
       </p:sp>
@@ -12054,7 +11874,7 @@
           <p:nvPr/>
         </p:nvPicPr>
         <p:blipFill>
-          <a:blip r:embed="rId1"/>
+          <a:blip r:embed="rId2"/>
           <a:stretch>
             <a:fillRect/>
           </a:stretch>
@@ -12100,7 +11920,6 @@
               <a:rPr lang="en-US"/>
               <a:t>注册验证码收到过一个false邮件</a:t>
             </a:r>
-            <a:endParaRPr lang="en-US"/>
           </a:p>
         </p:txBody>
       </p:sp>
@@ -12113,7 +11932,7 @@
           <p:nvPr/>
         </p:nvPicPr>
         <p:blipFill>
-          <a:blip r:embed="rId2"/>
+          <a:blip r:embed="rId3"/>
           <a:stretch>
             <a:fillRect/>
           </a:stretch>
@@ -12136,13 +11955,6 @@
   <p:transition>
     <p:wipe/>
   </p:transition>
-  <p:timing>
-    <p:tnLst>
-      <p:par>
-        <p:cTn id="1" dur="indefinite" restart="never" nodeType="tmRoot"/>
-      </p:par>
-    </p:tnLst>
-  </p:timing>
 </p:sld>
 </file>
 
@@ -12303,20 +12115,6 @@
                 </a:rPr>
                 <a:t>用户注册与登陆</a:t>
               </a:r>
-              <a:endParaRPr kumimoji="0" lang="zh-CN" altLang="en-US" sz="3200" b="1" i="0" u="none" strike="noStrike" kern="0" cap="none" spc="0" normalizeH="0" baseline="0" noProof="0" dirty="0">
-                <a:ln>
-                  <a:noFill/>
-                </a:ln>
-                <a:solidFill>
-                  <a:prstClr val="white"/>
-                </a:solidFill>
-                <a:effectLst/>
-                <a:uLnTx/>
-                <a:uFillTx/>
-                <a:latin typeface="Verdana" panose="020B0604030504040204"/>
-                <a:ea typeface="微软雅黑" panose="020B0503020204020204" pitchFamily="34" charset="-122"/>
-                <a:cs typeface="+mn-cs"/>
-              </a:endParaRPr>
             </a:p>
           </p:txBody>
         </p:sp>
@@ -12563,13 +12361,6 @@
               </a:rPr>
               <a:t> 互测情况汇报</a:t>
             </a:r>
-            <a:endParaRPr kumimoji="1" lang="zh-CN" altLang="en-US" sz="3200" b="1" dirty="0">
-              <a:solidFill>
-                <a:schemeClr val="tx2"/>
-              </a:solidFill>
-              <a:latin typeface="微软雅黑" panose="020B0503020204020204" pitchFamily="34" charset="-122"/>
-              <a:ea typeface="微软雅黑" panose="020B0503020204020204" pitchFamily="34" charset="-122"/>
-            </a:endParaRPr>
           </a:p>
         </p:txBody>
       </p:sp>
@@ -12618,11 +12409,6 @@
               </a:rPr>
               <a:t>忘记密码</a:t>
             </a:r>
-            <a:endParaRPr lang="zh-CN" altLang="en-US" sz="2400" b="1">
-              <a:latin typeface="+mn-ea"/>
-              <a:cs typeface="华光楷体一_CNKI" panose="02000500000000000000" charset="-122"/>
-              <a:sym typeface="+mn-ea"/>
-            </a:endParaRPr>
           </a:p>
         </p:txBody>
       </p:sp>
@@ -12635,7 +12421,7 @@
           <p:nvPr/>
         </p:nvPicPr>
         <p:blipFill>
-          <a:blip r:embed="rId1"/>
+          <a:blip r:embed="rId3"/>
           <a:stretch>
             <a:fillRect/>
           </a:stretch>
@@ -12689,11 +12475,6 @@
               </a:rPr>
               <a:t>（复现）</a:t>
             </a:r>
-            <a:endParaRPr lang="zh-CN" altLang="en-US">
-              <a:solidFill>
-                <a:srgbClr val="FF0000"/>
-              </a:solidFill>
-            </a:endParaRPr>
           </a:p>
         </p:txBody>
       </p:sp>
@@ -12706,7 +12487,7 @@
           <p:nvPr/>
         </p:nvPicPr>
         <p:blipFill>
-          <a:blip r:embed="rId2"/>
+          <a:blip r:embed="rId4"/>
           <a:stretch>
             <a:fillRect/>
           </a:stretch>
@@ -12730,7 +12511,7 @@
           <p:nvPr/>
         </p:nvPicPr>
         <p:blipFill>
-          <a:blip r:embed="rId3"/>
+          <a:blip r:embed="rId5"/>
           <a:stretch>
             <a:fillRect/>
           </a:stretch>
@@ -12753,13 +12534,6 @@
   <p:transition>
     <p:wipe/>
   </p:transition>
-  <p:timing>
-    <p:tnLst>
-      <p:par>
-        <p:cTn id="1" dur="indefinite" restart="never" nodeType="tmRoot"/>
-      </p:par>
-    </p:tnLst>
-  </p:timing>
 </p:sld>
 </file>
 
@@ -12920,20 +12694,6 @@
                 </a:rPr>
                 <a:t>企业端</a:t>
               </a:r>
-              <a:endParaRPr kumimoji="0" lang="zh-CN" altLang="en-US" sz="3200" b="1" i="0" u="none" strike="noStrike" kern="0" cap="none" spc="0" normalizeH="0" baseline="0" noProof="0" dirty="0">
-                <a:ln>
-                  <a:noFill/>
-                </a:ln>
-                <a:solidFill>
-                  <a:prstClr val="white"/>
-                </a:solidFill>
-                <a:effectLst/>
-                <a:uLnTx/>
-                <a:uFillTx/>
-                <a:latin typeface="Verdana" panose="020B0604030504040204"/>
-                <a:ea typeface="微软雅黑" panose="020B0503020204020204" pitchFamily="34" charset="-122"/>
-                <a:cs typeface="+mn-cs"/>
-              </a:endParaRPr>
             </a:p>
           </p:txBody>
         </p:sp>
@@ -13203,7 +12963,7 @@
           <p:nvPr/>
         </p:nvPicPr>
         <p:blipFill>
-          <a:blip r:embed="rId1"/>
+          <a:blip r:embed="rId2"/>
           <a:stretch>
             <a:fillRect/>
           </a:stretch>
@@ -13263,11 +13023,6 @@
               </a:rPr>
               <a:t>权限问题</a:t>
             </a:r>
-            <a:endParaRPr lang="zh-CN" altLang="en-US" sz="2400" b="1">
-              <a:latin typeface="+mn-ea"/>
-              <a:cs typeface="华光楷体一_CNKI" panose="02000500000000000000" charset="-122"/>
-              <a:sym typeface="+mn-ea"/>
-            </a:endParaRPr>
           </a:p>
         </p:txBody>
       </p:sp>
@@ -13310,13 +13065,6 @@
               </a:rPr>
               <a:t>（复现）</a:t>
             </a:r>
-            <a:endParaRPr lang="zh-CN" altLang="en-US">
-              <a:solidFill>
-                <a:srgbClr val="FF0000"/>
-              </a:solidFill>
-              <a:latin typeface="华文楷体" panose="02010600040101010101" charset="-122"/>
-              <a:ea typeface="华文楷体" panose="02010600040101010101" charset="-122"/>
-            </a:endParaRPr>
           </a:p>
         </p:txBody>
       </p:sp>
@@ -13329,7 +13077,7 @@
           <p:nvPr/>
         </p:nvPicPr>
         <p:blipFill>
-          <a:blip r:embed="rId2"/>
+          <a:blip r:embed="rId3"/>
           <a:stretch>
             <a:fillRect/>
           </a:stretch>
@@ -13353,7 +13101,7 @@
           <p:nvPr/>
         </p:nvPicPr>
         <p:blipFill>
-          <a:blip r:embed="rId3"/>
+          <a:blip r:embed="rId4"/>
           <a:stretch>
             <a:fillRect/>
           </a:stretch>
@@ -13377,7 +13125,7 @@
           <p:nvPr/>
         </p:nvPicPr>
         <p:blipFill>
-          <a:blip r:embed="rId4"/>
+          <a:blip r:embed="rId5"/>
           <a:stretch>
             <a:fillRect/>
           </a:stretch>
@@ -13800,20 +13548,6 @@
                 </a:rPr>
                 <a:t>企业端</a:t>
               </a:r>
-              <a:endParaRPr kumimoji="0" lang="zh-CN" altLang="en-US" sz="3200" b="1" i="0" u="none" strike="noStrike" kern="0" cap="none" spc="0" normalizeH="0" baseline="0" noProof="0" dirty="0">
-                <a:ln>
-                  <a:noFill/>
-                </a:ln>
-                <a:solidFill>
-                  <a:prstClr val="white"/>
-                </a:solidFill>
-                <a:effectLst/>
-                <a:uLnTx/>
-                <a:uFillTx/>
-                <a:latin typeface="Verdana" panose="020B0604030504040204"/>
-                <a:ea typeface="微软雅黑" panose="020B0503020204020204" pitchFamily="34" charset="-122"/>
-                <a:cs typeface="+mn-cs"/>
-              </a:endParaRPr>
             </a:p>
           </p:txBody>
         </p:sp>
@@ -14083,7 +13817,7 @@
           <p:nvPr/>
         </p:nvPicPr>
         <p:blipFill>
-          <a:blip r:embed="rId1"/>
+          <a:blip r:embed="rId2"/>
           <a:stretch>
             <a:fillRect/>
           </a:stretch>
@@ -14143,11 +13877,6 @@
               </a:rPr>
               <a:t>需求删除</a:t>
             </a:r>
-            <a:endParaRPr lang="zh-CN" altLang="en-US" sz="2400" b="1">
-              <a:latin typeface="+mn-ea"/>
-              <a:cs typeface="华光楷体一_CNKI" panose="02000500000000000000" charset="-122"/>
-              <a:sym typeface="+mn-ea"/>
-            </a:endParaRPr>
           </a:p>
         </p:txBody>
       </p:sp>
@@ -14190,13 +13919,6 @@
               </a:rPr>
               <a:t>（复现）</a:t>
             </a:r>
-            <a:endParaRPr lang="zh-CN" altLang="en-US">
-              <a:solidFill>
-                <a:srgbClr val="FF0000"/>
-              </a:solidFill>
-              <a:latin typeface="华文楷体" panose="02010600040101010101" charset="-122"/>
-              <a:ea typeface="华文楷体" panose="02010600040101010101" charset="-122"/>
-            </a:endParaRPr>
           </a:p>
         </p:txBody>
       </p:sp>
@@ -14209,7 +13931,7 @@
           <p:nvPr/>
         </p:nvPicPr>
         <p:blipFill>
-          <a:blip r:embed="rId2"/>
+          <a:blip r:embed="rId3"/>
           <a:stretch>
             <a:fillRect/>
           </a:stretch>
@@ -14233,7 +13955,7 @@
           <p:nvPr/>
         </p:nvPicPr>
         <p:blipFill>
-          <a:blip r:embed="rId3"/>
+          <a:blip r:embed="rId4"/>
           <a:stretch>
             <a:fillRect/>
           </a:stretch>
@@ -14257,7 +13979,7 @@
           <p:nvPr/>
         </p:nvPicPr>
         <p:blipFill>
-          <a:blip r:embed="rId4"/>
+          <a:blip r:embed="rId5"/>
           <a:stretch>
             <a:fillRect/>
           </a:stretch>
@@ -14629,20 +14351,6 @@
                 </a:rPr>
                 <a:t>企业端</a:t>
               </a:r>
-              <a:endParaRPr kumimoji="0" lang="zh-CN" altLang="en-US" sz="3200" b="1" i="0" u="none" strike="noStrike" kern="0" cap="none" spc="0" normalizeH="0" baseline="0" noProof="0" dirty="0">
-                <a:ln>
-                  <a:noFill/>
-                </a:ln>
-                <a:solidFill>
-                  <a:prstClr val="white"/>
-                </a:solidFill>
-                <a:effectLst/>
-                <a:uLnTx/>
-                <a:uFillTx/>
-                <a:latin typeface="Verdana" panose="020B0604030504040204"/>
-                <a:ea typeface="微软雅黑" panose="020B0503020204020204" pitchFamily="34" charset="-122"/>
-                <a:cs typeface="+mn-cs"/>
-              </a:endParaRPr>
             </a:p>
           </p:txBody>
         </p:sp>
@@ -14912,7 +14620,7 @@
           <p:nvPr/>
         </p:nvPicPr>
         <p:blipFill>
-          <a:blip r:embed="rId1"/>
+          <a:blip r:embed="rId2"/>
           <a:stretch>
             <a:fillRect/>
           </a:stretch>
@@ -14964,11 +14672,6 @@
               </a:rPr>
               <a:t>3.企业主页</a:t>
             </a:r>
-            <a:endParaRPr lang="en-US" altLang="zh-CN" sz="2400" b="1">
-              <a:latin typeface="+mn-ea"/>
-              <a:cs typeface="华光楷体一_CNKI" panose="02000500000000000000" charset="-122"/>
-              <a:sym typeface="+mn-ea"/>
-            </a:endParaRPr>
           </a:p>
         </p:txBody>
       </p:sp>
@@ -15020,7 +14723,7 @@
           <p:nvPr/>
         </p:nvPicPr>
         <p:blipFill>
-          <a:blip r:embed="rId2"/>
+          <a:blip r:embed="rId3"/>
           <a:stretch>
             <a:fillRect/>
           </a:stretch>
@@ -15043,13 +14746,6 @@
   <p:transition>
     <p:wipe/>
   </p:transition>
-  <p:timing>
-    <p:tnLst>
-      <p:par>
-        <p:cTn id="1" dur="indefinite" restart="never" nodeType="tmRoot"/>
-      </p:par>
-    </p:tnLst>
-  </p:timing>
 </p:sld>
 </file>
 
@@ -15210,20 +14906,6 @@
                 </a:rPr>
                 <a:t>企业端</a:t>
               </a:r>
-              <a:endParaRPr kumimoji="0" lang="zh-CN" altLang="en-US" sz="3200" b="1" i="0" u="none" strike="noStrike" kern="0" cap="none" spc="0" normalizeH="0" baseline="0" noProof="0" dirty="0">
-                <a:ln>
-                  <a:noFill/>
-                </a:ln>
-                <a:solidFill>
-                  <a:prstClr val="white"/>
-                </a:solidFill>
-                <a:effectLst/>
-                <a:uLnTx/>
-                <a:uFillTx/>
-                <a:latin typeface="Verdana" panose="020B0604030504040204"/>
-                <a:ea typeface="微软雅黑" panose="020B0503020204020204" pitchFamily="34" charset="-122"/>
-                <a:cs typeface="+mn-cs"/>
-              </a:endParaRPr>
             </a:p>
           </p:txBody>
         </p:sp>
@@ -15493,7 +15175,7 @@
           <p:nvPr/>
         </p:nvPicPr>
         <p:blipFill>
-          <a:blip r:embed="rId1"/>
+          <a:blip r:embed="rId2"/>
           <a:stretch>
             <a:fillRect/>
           </a:stretch>
@@ -15553,11 +15235,6 @@
               </a:rPr>
               <a:t>发起订单</a:t>
             </a:r>
-            <a:endParaRPr lang="zh-CN" altLang="en-US" sz="2400" b="1">
-              <a:latin typeface="+mn-ea"/>
-              <a:cs typeface="华光楷体一_CNKI" panose="02000500000000000000" charset="-122"/>
-              <a:sym typeface="+mn-ea"/>
-            </a:endParaRPr>
           </a:p>
         </p:txBody>
       </p:sp>
@@ -15617,7 +15294,7 @@
           <p:nvPr/>
         </p:nvPicPr>
         <p:blipFill>
-          <a:blip r:embed="rId2"/>
+          <a:blip r:embed="rId3"/>
           <a:stretch>
             <a:fillRect/>
           </a:stretch>
@@ -15641,7 +15318,7 @@
           <p:nvPr/>
         </p:nvPicPr>
         <p:blipFill>
-          <a:blip r:embed="rId3"/>
+          <a:blip r:embed="rId4"/>
           <a:stretch>
             <a:fillRect/>
           </a:stretch>
@@ -15664,18 +15341,11 @@
   <p:transition>
     <p:wipe/>
   </p:transition>
-  <p:timing>
-    <p:tnLst>
-      <p:par>
-        <p:cTn id="1" dur="indefinite" restart="never" nodeType="tmRoot"/>
-      </p:par>
-    </p:tnLst>
-  </p:timing>
 </p:sld>
 </file>
 
 <file path=ppt/tags/tag1.xml><?xml version="1.0" encoding="utf-8"?>
-<p:tagLst xmlns:p="http://schemas.openxmlformats.org/presentationml/2006/main">
+<p:tagLst xmlns:a="http://schemas.openxmlformats.org/drawingml/2006/main" xmlns:r="http://schemas.openxmlformats.org/officeDocument/2006/relationships" xmlns:p="http://schemas.openxmlformats.org/presentationml/2006/main">
   <p:tag name="KSO_WM_UNIT_PLACING_PICTURE_USER_VIEWPORT" val="{&quot;height&quot;:960,&quot;width&quot;:3900}"/>
 </p:tagLst>
 </file>
@@ -15931,6 +15601,8 @@
       </a:bgFillStyleLst>
     </a:fmtScheme>
   </a:themeElements>
+  <a:objectDefaults/>
+  <a:extraClrSchemeLst/>
   <a:extLst>
     <a:ext uri="{05A4C25C-085E-4340-85A3-A5531E510DB2}">
       <thm15:themeFamily xmlns:thm15="http://schemas.microsoft.com/office/thememl/2012/main" name="Office Theme" id="{62F939B6-93AF-4DB8-9C6B-D6C7DFDC589F}" vid="{4A3C46E8-61CC-4603-A589-7422A47A8E4A}"/>
@@ -16190,6 +15862,8 @@
       </a:bgFillStyleLst>
     </a:fmtScheme>
   </a:themeElements>
+  <a:objectDefaults/>
+  <a:extraClrSchemeLst/>
   <a:extLst>
     <a:ext uri="{05A4C25C-085E-4340-85A3-A5531E510DB2}">
       <thm15:themeFamily xmlns:thm15="http://schemas.microsoft.com/office/thememl/2012/main" name="Office Theme" id="{62F939B6-93AF-4DB8-9C6B-D6C7DFDC589F}" vid="{4A3C46E8-61CC-4603-A589-7422A47A8E4A}"/>
